--- a/introduction-to-r/src/v03-slides-and-speaker-notes.pptx
+++ b/introduction-to-r/src/v03-slides-and-speaker-notes.pptx
@@ -28702,44 +28702,13 @@
                 </a:solidFill>
                 <a:latin typeface="Courier"/>
               </a:rPr>
-              <a:t>read_delim</a:t>
+              <a:t>read_table</a:t>
             </a:r>
             <a:r>
               <a:rPr>
                 <a:latin typeface="Courier"/>
               </a:rPr>
               <a:t>(fn, </a:t>
-            </a:r>
-            <a:br/>
-            <a:r>
-              <a:rPr>
-                <a:latin typeface="Courier"/>
-              </a:rPr>
-              <a:t>  </a:t>
-            </a:r>
-            <a:r>
-              <a:rPr>
-                <a:solidFill>
-                  <a:srgbClr val="7D9029"/>
-                </a:solidFill>
-                <a:latin typeface="Courier"/>
-              </a:rPr>
-              <a:t>delim=</a:t>
-            </a:r>
-            <a:r>
-              <a:rPr>
-                <a:solidFill>
-                  <a:srgbClr val="880000"/>
-                </a:solidFill>
-                <a:latin typeface="Courier"/>
-              </a:rPr>
-              <a:t>NULL</a:t>
-            </a:r>
-            <a:r>
-              <a:rPr>
-                <a:latin typeface="Courier"/>
-              </a:rPr>
-              <a:t>,</a:t>
             </a:r>
             <a:br/>
             <a:r>
@@ -28842,8 +28811,8 @@
               <a:rPr>
                 <a:latin typeface="Courier"/>
               </a:rPr>
-              <a:t>## Warning: One or more parsing issues, see
-## `problems()` for details</a:t>
+              <a:t>## Warning: Insufficient `col_types`. Guessing 1
+## columns.</a:t>
             </a:r>
           </a:p>
         </p:txBody>
@@ -28952,13 +28921,13 @@
               <a:rPr>
                 <a:latin typeface="Courier"/>
               </a:rPr>
-              <a:t>## # A tibble: 4 x 4
-##       x y     X3        X4
-##   &lt;dbl&gt; &lt;lgl&gt; &lt;chr&gt;  &lt;dbl&gt;
-## 1     1 NA     &lt;NA&gt;      4
-## 2     2 NA     &lt;NA&gt;      8
-## 3     3 NA    "12\r"    NA
-## 4     4 NA    "16\r"    NA</a:t>
+              <a:t>## # A tibble: 4 x 2
+##       x     y
+##   &lt;dbl&gt; &lt;dbl&gt;
+## 1     1     4
+## 2     2     8
+## 3     3    12
+## 4     4    16</a:t>
             </a:r>
           </a:p>
         </p:txBody>

--- a/introduction-to-r/src/v03-slides-and-speaker-notes.pptx
+++ b/introduction-to-r/src/v03-slides-and-speaker-notes.pptx
@@ -5,7 +5,7 @@
     <p:sldMasterId id="2147483648" r:id="rId1"/>
   </p:sldMasterIdLst>
   <p:notesMasterIdLst>
-    <p:NotesMasterId r:id="rId59"/>
+    <p:NotesMasterId r:id="rId61"/>
   </p:notesMasterIdLst>
   <p:sldIdLst>
     <p:sldId id="256" r:id="rId2"/>
@@ -65,6 +65,8 @@
     <p:sldId id="310" r:id="rId56"/>
     <p:sldId id="311" r:id="rId57"/>
     <p:sldId id="312" r:id="rId58"/>
+    <p:sldId id="313" r:id="rId59"/>
+    <p:sldId id="314" r:id="rId60"/>
   </p:sldIdLst>
   <p:sldSz cx="9144000" cy="6858000" type="screen4x3"/>
   <p:notesSz cx="6858000" cy="9144000"/>
@@ -13077,7 +13079,7 @@
             </a:r>
             <a:r>
               <a:rPr/>
-              <a:t>read.csv</a:t>
+              <a:t>read_csv</a:t>
             </a:r>
             <a:r>
               <a:rPr/>
@@ -13659,15 +13661,15 @@
             </a:r>
             <a:r>
               <a:rPr/>
-              <a:t>read.table</a:t>
-            </a:r>
-            <a:r>
-              <a:rPr/>
-              <a:t> </a:t>
-            </a:r>
-            <a:r>
-              <a:rPr/>
-              <a:t>command</a:t>
+              <a:t>read_tsv</a:t>
+            </a:r>
+            <a:r>
+              <a:rPr/>
+              <a:t> </a:t>
+            </a:r>
+            <a:r>
+              <a:rPr/>
+              <a:t>function</a:t>
             </a:r>
             <a:r>
               <a:rPr/>
@@ -13692,122 +13694,6 @@
             <a:r>
               <a:rPr/>
               <a:t>here.</a:t>
-            </a:r>
-            <a:r>
-              <a:rPr/>
-              <a:t> </a:t>
-            </a:r>
-            <a:r>
-              <a:rPr/>
-              <a:t>The</a:t>
-            </a:r>
-            <a:r>
-              <a:rPr/>
-              <a:t> </a:t>
-            </a:r>
-            <a:r>
-              <a:rPr/>
-              <a:t>separator</a:t>
-            </a:r>
-            <a:r>
-              <a:rPr/>
-              <a:t> </a:t>
-            </a:r>
-            <a:r>
-              <a:rPr/>
-              <a:t>or</a:t>
-            </a:r>
-            <a:r>
-              <a:rPr/>
-              <a:t> </a:t>
-            </a:r>
-            <a:r>
-              <a:rPr/>
-              <a:t>delimiter</a:t>
-            </a:r>
-            <a:r>
-              <a:rPr/>
-              <a:t> </a:t>
-            </a:r>
-            <a:r>
-              <a:rPr/>
-              <a:t>is</a:t>
-            </a:r>
-            <a:r>
-              <a:rPr/>
-              <a:t> </a:t>
-            </a:r>
-            <a:r>
-              <a:rPr/>
-              <a:t>the</a:t>
-            </a:r>
-            <a:r>
-              <a:rPr/>
-              <a:t> </a:t>
-            </a:r>
-            <a:r>
-              <a:rPr/>
-              <a:t>tab</a:t>
-            </a:r>
-            <a:r>
-              <a:rPr/>
-              <a:t> </a:t>
-            </a:r>
-            <a:r>
-              <a:rPr/>
-              <a:t>character,</a:t>
-            </a:r>
-            <a:r>
-              <a:rPr/>
-              <a:t> </a:t>
-            </a:r>
-            <a:r>
-              <a:rPr/>
-              <a:t>which</a:t>
-            </a:r>
-            <a:r>
-              <a:rPr/>
-              <a:t> </a:t>
-            </a:r>
-            <a:r>
-              <a:rPr/>
-              <a:t>is</a:t>
-            </a:r>
-            <a:r>
-              <a:rPr/>
-              <a:t> </a:t>
-            </a:r>
-            <a:r>
-              <a:rPr/>
-              <a:t>coded</a:t>
-            </a:r>
-            <a:r>
-              <a:rPr/>
-              <a:t> </a:t>
-            </a:r>
-            <a:r>
-              <a:rPr/>
-              <a:t>in</a:t>
-            </a:r>
-            <a:r>
-              <a:rPr/>
-              <a:t> </a:t>
-            </a:r>
-            <a:r>
-              <a:rPr/>
-              <a:t>R</a:t>
-            </a:r>
-            <a:r>
-              <a:rPr/>
-              <a:t> </a:t>
-            </a:r>
-            <a:r>
-              <a:rPr/>
-              <a:t>as</a:t>
-            </a:r>
-            <a:r>
-              <a:rPr/>
-              <a:t> </a:t>
             </a:r>
           </a:p>
         </p:txBody>
@@ -16709,7 +16595,7 @@
           <a:p>
             <a:fld id="{18BDFEC3-8487-43E8-A154-7C12CBC1FFF2}" type="slidenum">
               <a:rPr lang="en-US"/>
-              <a:t>51</a:t>
+              <a:t>53</a:t>
             </a:fld>
             <a:endParaRPr lang="en-US"/>
           </a:p>
@@ -17727,7 +17613,7 @@
           <a:p>
             <a:fld id="{18BDFEC3-8487-43E8-A154-7C12CBC1FFF2}" type="slidenum">
               <a:rPr lang="en-US"/>
-              <a:t>52</a:t>
+              <a:t>54</a:t>
             </a:fld>
             <a:endParaRPr lang="en-US"/>
           </a:p>
@@ -18655,7 +18541,7 @@
           <a:p>
             <a:fld id="{18BDFEC3-8487-43E8-A154-7C12CBC1FFF2}" type="slidenum">
               <a:rPr lang="en-US"/>
-              <a:t>53</a:t>
+              <a:t>55</a:t>
             </a:fld>
             <a:endParaRPr lang="en-US"/>
           </a:p>
@@ -19933,7 +19819,7 @@
           <a:p>
             <a:fld id="{18BDFEC3-8487-43E8-A154-7C12CBC1FFF2}" type="slidenum">
               <a:rPr lang="en-US"/>
-              <a:t>54</a:t>
+              <a:t>56</a:t>
             </a:fld>
             <a:endParaRPr lang="en-US"/>
           </a:p>
@@ -20989,7 +20875,7 @@
           <a:p>
             <a:fld id="{18BDFEC3-8487-43E8-A154-7C12CBC1FFF2}" type="slidenum">
               <a:rPr lang="en-US"/>
-              <a:t>55</a:t>
+              <a:t>57</a:t>
             </a:fld>
             <a:endParaRPr lang="en-US"/>
           </a:p>
@@ -21601,7 +21487,7 @@
           <a:p>
             <a:fld id="{18BDFEC3-8487-43E8-A154-7C12CBC1FFF2}" type="slidenum">
               <a:rPr lang="en-US"/>
-              <a:t>57</a:t>
+              <a:t>59</a:t>
             </a:fld>
             <a:endParaRPr lang="en-US"/>
           </a:p>
@@ -22433,7 +22319,7 @@
             </a:r>
             <a:r>
               <a:rPr/>
-              <a:t>n</a:t>
+              <a:t>nn</a:t>
             </a:r>
             <a:r>
               <a:rPr/>
@@ -27897,7 +27783,7 @@
                 </a:solidFill>
                 <a:latin typeface="Courier"/>
               </a:rPr>
-              <a:t>"n"</a:t>
+              <a:t>"nn"</a:t>
             </a:r>
             <a:r>
               <a:rPr>
@@ -28401,7 +28287,7 @@
                 </a:solidFill>
                 <a:latin typeface="Courier"/>
               </a:rPr>
-              <a:t>"n"</a:t>
+              <a:t>"nn"</a:t>
             </a:r>
             <a:r>
               <a:rPr>
@@ -28981,7 +28867,7 @@
                 </a:solidFill>
                 <a:latin typeface="Courier"/>
               </a:rPr>
-              <a:t>"n"</a:t>
+              <a:t>"nn"</a:t>
             </a:r>
             <a:r>
               <a:rPr>
@@ -29693,7 +29579,7 @@
                 </a:solidFill>
                 <a:latin typeface="Courier"/>
               </a:rPr>
-              <a:t>"n"</a:t>
+              <a:t>"nn"</a:t>
             </a:r>
             <a:r>
               <a:rPr>
@@ -30430,7 +30316,7 @@
                 </a:solidFill>
                 <a:latin typeface="Courier"/>
               </a:rPr>
-              <a:t>"n"</a:t>
+              <a:t>"nn"</a:t>
             </a:r>
             <a:r>
               <a:rPr>
@@ -30438,39 +30324,7 @@
               </a:rPr>
               <a:t>)</a:t>
             </a:r>
-          </a:p>
-          <a:p>
-            <a:pPr lvl="0" indent="0">
-              <a:buNone/>
-            </a:pPr>
-            <a:r>
-              <a:rPr>
-                <a:latin typeface="Courier"/>
-              </a:rPr>
-              <a:t>## Warning: Unnamed `col_types` should have the
-## same length as `col_names`. Using smaller of
-## the two.</a:t>
-            </a:r>
-          </a:p>
-          <a:p>
-            <a:pPr lvl="0" indent="0">
-              <a:buNone/>
-            </a:pPr>
-            <a:r>
-              <a:rPr>
-                <a:latin typeface="Courier"/>
-              </a:rPr>
-              <a:t>## Warning: 3 parsing failures.
-## row col  expected    actual                      file
-##   1  -- 1 columns 2 columns '../data/white-space.txt'
-##   2  -- 1 columns 2 columns '../data/white-space.txt'
-##   3  -- 1 columns 2 columns '../data/white-space.txt'</a:t>
-            </a:r>
-          </a:p>
-          <a:p>
-            <a:pPr lvl="0" indent="0">
-              <a:buNone/>
-            </a:pPr>
+            <a:br/>
             <a:r>
               <a:rPr>
                 <a:solidFill>
@@ -30545,18 +30399,6 @@
                 <a:latin typeface="Courier"/>
               </a:rPr>
               <a:t>)</a:t>
-            </a:r>
-          </a:p>
-          <a:p>
-            <a:pPr lvl="0" indent="0">
-              <a:buNone/>
-            </a:pPr>
-            <a:r>
-              <a:rPr>
-                <a:latin typeface="Courier"/>
-              </a:rPr>
-              <a:t>## Warning: The `value` argument of `names&lt;-` must have the same length as `x` as of tibble 3.0.0.
-## `names` must have length 1, not 2.</a:t>
             </a:r>
           </a:p>
         </p:txBody>
@@ -30665,12 +30507,12 @@
               <a:rPr>
                 <a:latin typeface="Courier"/>
               </a:rPr>
-              <a:t>## # A tibble: 3 x 1
-##       x
-##   &lt;dbl&gt;
-## 1     2
-## 2     3
-## 3     4</a:t>
+              <a:t>## # A tibble: 3 x 2
+##       x     y
+##   &lt;dbl&gt; &lt;dbl&gt;
+## 1     2     8
+## 2     3    12
+## 3     4    16</a:t>
             </a:r>
           </a:p>
         </p:txBody>
@@ -32610,7 +32452,31 @@
             </a:r>
             <a:r>
               <a:rPr/>
-              <a:t>#1</a:t>
+              <a:t>#1,</a:t>
+            </a:r>
+            <a:r>
+              <a:rPr/>
+              <a:t> </a:t>
+            </a:r>
+            <a:r>
+              <a:rPr/>
+              <a:t>the</a:t>
+            </a:r>
+            <a:r>
+              <a:rPr/>
+              <a:t> </a:t>
+            </a:r>
+            <a:r>
+              <a:rPr/>
+              <a:t>data</a:t>
+            </a:r>
+            <a:r>
+              <a:rPr/>
+              <a:t> </a:t>
+            </a:r>
+            <a:r>
+              <a:rPr/>
+              <a:t>file</a:t>
             </a:r>
           </a:p>
         </p:txBody>
@@ -32706,7 +32572,31 @@
             </a:r>
             <a:r>
               <a:rPr/>
-              <a:t>#1</a:t>
+              <a:t>#1,</a:t>
+            </a:r>
+            <a:r>
+              <a:rPr/>
+              <a:t> </a:t>
+            </a:r>
+            <a:r>
+              <a:rPr/>
+              <a:t>the</a:t>
+            </a:r>
+            <a:r>
+              <a:rPr/>
+              <a:t> </a:t>
+            </a:r>
+            <a:r>
+              <a:rPr/>
+              <a:t>data</a:t>
+            </a:r>
+            <a:r>
+              <a:rPr/>
+              <a:t> </a:t>
+            </a:r>
+            <a:r>
+              <a:rPr/>
+              <a:t>dictionary</a:t>
             </a:r>
           </a:p>
         </p:txBody>
@@ -32743,13 +32633,7 @@
             <a:pPr lvl="2"/>
             <a:r>
               <a:rPr/>
-              <a:t>Description found at </a:t>
-            </a:r>
-            <a:r>
-              <a:rPr>
-                <a:hlinkClick r:id="rId3"/>
-              </a:rPr>
-              <a:t>https://stats.idre.ucla.edu/r/dae/logit-regression/</a:t>
+              <a:t>Description found at</a:t>
             </a:r>
           </a:p>
         </p:txBody>
@@ -32804,7 +32688,23 @@
             </a:r>
             <a:r>
               <a:rPr/>
-              <a:t>#1</a:t>
+              <a:t>#1,</a:t>
+            </a:r>
+            <a:r>
+              <a:rPr/>
+              <a:t> </a:t>
+            </a:r>
+            <a:r>
+              <a:rPr/>
+              <a:t>the</a:t>
+            </a:r>
+            <a:r>
+              <a:rPr/>
+              <a:t> </a:t>
+            </a:r>
+            <a:r>
+              <a:rPr/>
+              <a:t>code</a:t>
             </a:r>
           </a:p>
         </p:txBody>
@@ -32917,7 +32817,7 @@
                 </a:solidFill>
                 <a:latin typeface="Courier"/>
               </a:rPr>
-              <a:t>"?"</a:t>
+              <a:t>"nnnn"</a:t>
             </a:r>
             <a:r>
               <a:rPr>
@@ -32970,23 +32870,31 @@
             </a:pPr>
             <a:r>
               <a:rPr/>
-              <a:t>Display</a:t>
-            </a:r>
-            <a:r>
-              <a:rPr/>
-              <a:t> </a:t>
-            </a:r>
-            <a:r>
-              <a:rPr/>
-              <a:t>binary</a:t>
-            </a:r>
-            <a:r>
-              <a:rPr/>
-              <a:t> </a:t>
-            </a:r>
-            <a:r>
-              <a:rPr/>
-              <a:t>data</a:t>
+              <a:t>Example</a:t>
+            </a:r>
+            <a:r>
+              <a:rPr/>
+              <a:t> </a:t>
+            </a:r>
+            <a:r>
+              <a:rPr/>
+              <a:t>#1,</a:t>
+            </a:r>
+            <a:r>
+              <a:rPr/>
+              <a:t> </a:t>
+            </a:r>
+            <a:r>
+              <a:rPr/>
+              <a:t>the</a:t>
+            </a:r>
+            <a:r>
+              <a:rPr/>
+              <a:t> </a:t>
+            </a:r>
+            <a:r>
+              <a:rPr/>
+              <a:t>output</a:t>
             </a:r>
           </a:p>
         </p:txBody>
@@ -33096,7 +33004,31 @@
             </a:r>
             <a:r>
               <a:rPr/>
-              <a:t>#2</a:t>
+              <a:t>#2,</a:t>
+            </a:r>
+            <a:r>
+              <a:rPr/>
+              <a:t> </a:t>
+            </a:r>
+            <a:r>
+              <a:rPr/>
+              <a:t>the</a:t>
+            </a:r>
+            <a:r>
+              <a:rPr/>
+              <a:t> </a:t>
+            </a:r>
+            <a:r>
+              <a:rPr/>
+              <a:t>data</a:t>
+            </a:r>
+            <a:r>
+              <a:rPr/>
+              <a:t> </a:t>
+            </a:r>
+            <a:r>
+              <a:rPr/>
+              <a:t>file</a:t>
             </a:r>
           </a:p>
         </p:txBody>
@@ -33181,7 +33113,31 @@
             </a:r>
             <a:r>
               <a:rPr/>
-              <a:t>#2</a:t>
+              <a:t>#2,</a:t>
+            </a:r>
+            <a:r>
+              <a:rPr/>
+              <a:t> </a:t>
+            </a:r>
+            <a:r>
+              <a:rPr/>
+              <a:t>the</a:t>
+            </a:r>
+            <a:r>
+              <a:rPr/>
+              <a:t> </a:t>
+            </a:r>
+            <a:r>
+              <a:rPr/>
+              <a:t>data</a:t>
+            </a:r>
+            <a:r>
+              <a:rPr/>
+              <a:t> </a:t>
+            </a:r>
+            <a:r>
+              <a:rPr/>
+              <a:t>dictionary</a:t>
             </a:r>
           </a:p>
         </p:txBody>
@@ -33218,13 +33174,7 @@
             <a:pPr lvl="2"/>
             <a:r>
               <a:rPr/>
-              <a:t>Description found at </a:t>
-            </a:r>
-            <a:r>
-              <a:rPr>
-                <a:hlinkClick r:id="rId2"/>
-              </a:rPr>
-              <a:t>https://dasl.datadescription.com/datafile/barbershop-music/</a:t>
+              <a:t>Description found at</a:t>
             </a:r>
           </a:p>
         </p:txBody>
@@ -33279,7 +33229,23 @@
             </a:r>
             <a:r>
               <a:rPr/>
-              <a:t>#2</a:t>
+              <a:t>#2,</a:t>
+            </a:r>
+            <a:r>
+              <a:rPr/>
+              <a:t> </a:t>
+            </a:r>
+            <a:r>
+              <a:rPr/>
+              <a:t>the</a:t>
+            </a:r>
+            <a:r>
+              <a:rPr/>
+              <a:t> </a:t>
+            </a:r>
+            <a:r>
+              <a:rPr/>
+              <a:t>code</a:t>
             </a:r>
           </a:p>
         </p:txBody>
@@ -33354,13 +33320,6 @@
               </a:rPr>
               <a:t> </a:t>
             </a:r>
-            <a:br/>
-            <a:r>
-              <a:rPr>
-                <a:latin typeface="Courier"/>
-              </a:rPr>
-              <a:t>  </a:t>
-            </a:r>
             <a:r>
               <a:rPr>
                 <a:solidFill>
@@ -33368,7 +33327,7 @@
                 </a:solidFill>
                 <a:latin typeface="Courier"/>
               </a:rPr>
-              <a:t>read.delim</a:t>
+              <a:t>read_tsv</a:t>
             </a:r>
             <a:r>
               <a:rPr>
@@ -33381,7 +33340,7 @@
               <a:rPr>
                 <a:latin typeface="Courier"/>
               </a:rPr>
-              <a:t>    </a:t>
+              <a:t>  </a:t>
             </a:r>
             <a:r>
               <a:rPr>
@@ -33390,38 +33349,7 @@
                 </a:solidFill>
                 <a:latin typeface="Courier"/>
               </a:rPr>
-              <a:t>header=</a:t>
-            </a:r>
-            <a:r>
-              <a:rPr>
-                <a:solidFill>
-                  <a:srgbClr val="880000"/>
-                </a:solidFill>
-                <a:latin typeface="Courier"/>
-              </a:rPr>
-              <a:t>TRUE</a:t>
-            </a:r>
-            <a:r>
-              <a:rPr>
-                <a:latin typeface="Courier"/>
-              </a:rPr>
-              <a:t>,</a:t>
-            </a:r>
-            <a:br/>
-            <a:r>
-              <a:rPr>
-                <a:latin typeface="Courier"/>
-              </a:rPr>
-              <a:t>    </a:t>
-            </a:r>
-            <a:r>
-              <a:rPr>
-                <a:solidFill>
-                  <a:srgbClr val="7D9029"/>
-                </a:solidFill>
-                <a:latin typeface="Courier"/>
-              </a:rPr>
-              <a:t>sep=</a:t>
+              <a:t>col_types=</a:t>
             </a:r>
             <a:r>
               <a:rPr>
@@ -33430,13 +33358,25 @@
                 </a:solidFill>
                 <a:latin typeface="Courier"/>
               </a:rPr>
-              <a:t>"\t"</a:t>
+              <a:t>"nnn"</a:t>
             </a:r>
             <a:r>
               <a:rPr>
                 <a:latin typeface="Courier"/>
               </a:rPr>
               <a:t>)</a:t>
+            </a:r>
+          </a:p>
+          <a:p>
+            <a:pPr lvl="0" indent="0">
+              <a:buNone/>
+            </a:pPr>
+            <a:r>
+              <a:rPr>
+                <a:latin typeface="Courier"/>
+              </a:rPr>
+              <a:t>## Warning: One or more parsing issues, see
+## `problems()` for details</a:t>
             </a:r>
           </a:p>
         </p:txBody>
@@ -33483,23 +33423,31 @@
             </a:pPr>
             <a:r>
               <a:rPr/>
-              <a:t>Display</a:t>
-            </a:r>
-            <a:r>
-              <a:rPr/>
-              <a:t> </a:t>
-            </a:r>
-            <a:r>
-              <a:rPr/>
-              <a:t>barbershop</a:t>
-            </a:r>
-            <a:r>
-              <a:rPr/>
-              <a:t> </a:t>
-            </a:r>
-            <a:r>
-              <a:rPr/>
-              <a:t>data</a:t>
+              <a:t>Example</a:t>
+            </a:r>
+            <a:r>
+              <a:rPr/>
+              <a:t> </a:t>
+            </a:r>
+            <a:r>
+              <a:rPr/>
+              <a:t>#2,</a:t>
+            </a:r>
+            <a:r>
+              <a:rPr/>
+              <a:t> </a:t>
+            </a:r>
+            <a:r>
+              <a:rPr/>
+              <a:t>the</a:t>
+            </a:r>
+            <a:r>
+              <a:rPr/>
+              <a:t> </a:t>
+            </a:r>
+            <a:r>
+              <a:rPr/>
+              <a:t>output</a:t>
             </a:r>
           </a:p>
         </p:txBody>
@@ -33546,13 +33494,15 @@
               <a:rPr>
                 <a:latin typeface="Courier"/>
               </a:rPr>
-              <a:t>##   Singing Performance Music151 X143 X138
-## 1     152         146      136   NA   NA
-## 2     146         143      140   NA   NA
-## 3     146         147      142   NA   NA
-## 4     145         141      134   NA   NA
-## 5     144         139      140   NA   NA
-## 6     133         138      132   NA   NA</a:t>
+              <a:t>## # A tibble: 6 x 5
+##   Singing Performance Music151 `143` `138`
+##     &lt;dbl&gt;       &lt;dbl&gt;    &lt;dbl&gt; &lt;lgl&gt; &lt;lgl&gt;
+## 1     152         146      136 NA    NA   
+## 2     146         143      140 NA    NA   
+## 3     146         147      142 NA    NA   
+## 4     145         141      134 NA    NA   
+## 5     144         139      140 NA    NA   
+## 6     133         138      132 NA    NA</a:t>
             </a:r>
           </a:p>
         </p:txBody>
@@ -33607,7 +33557,31 @@
             </a:r>
             <a:r>
               <a:rPr/>
-              <a:t>#3</a:t>
+              <a:t>#3,</a:t>
+            </a:r>
+            <a:r>
+              <a:rPr/>
+              <a:t> </a:t>
+            </a:r>
+            <a:r>
+              <a:rPr/>
+              <a:t>the</a:t>
+            </a:r>
+            <a:r>
+              <a:rPr/>
+              <a:t> </a:t>
+            </a:r>
+            <a:r>
+              <a:rPr/>
+              <a:t>data</a:t>
+            </a:r>
+            <a:r>
+              <a:rPr/>
+              <a:t> </a:t>
+            </a:r>
+            <a:r>
+              <a:rPr/>
+              <a:t>file</a:t>
             </a:r>
           </a:p>
         </p:txBody>
@@ -33692,7 +33666,31 @@
             </a:r>
             <a:r>
               <a:rPr/>
-              <a:t>#3</a:t>
+              <a:t>#3,</a:t>
+            </a:r>
+            <a:r>
+              <a:rPr/>
+              <a:t> </a:t>
+            </a:r>
+            <a:r>
+              <a:rPr/>
+              <a:t>the</a:t>
+            </a:r>
+            <a:r>
+              <a:rPr/>
+              <a:t> </a:t>
+            </a:r>
+            <a:r>
+              <a:rPr/>
+              <a:t>data</a:t>
+            </a:r>
+            <a:r>
+              <a:rPr/>
+              <a:t> </a:t>
+            </a:r>
+            <a:r>
+              <a:rPr/>
+              <a:t>dictionary</a:t>
             </a:r>
           </a:p>
         </p:txBody>
@@ -33715,17 +33713,7 @@
             <a:pPr lvl="1"/>
             <a:r>
               <a:rPr/>
-              <a:t>Data dictionary at </a:t>
-            </a:r>
-            <a:r>
-              <a:rPr>
-                <a:hlinkClick r:id="rId3"/>
-              </a:rPr>
-              <a:t>http://jse.amstat.org/datasets/airport.txt</a:t>
-            </a:r>
-            <a:r>
-              <a:rPr/>
-              <a:t>. Here is an excerpt.</a:t>
+              <a:t>Data dictionary at . Here is an excerpt.</a:t>
             </a:r>
           </a:p>
           <a:p>
@@ -33739,11 +33727,7 @@
               <a:t>VARIABLE DESCRIPTIONS:
 Airport                          Columns 1-21
 City                             Columns 22-43 
-Scheduled departures             Columns 44-49 
-Performed departures             Columns 51-56
-Enplaned passengers              Columns 58-65
-Enplaned revenue tons of freight Columns 67-75
-Enplaned revenue tons of mail    Columns 77-85</a:t>
+Scheduled departures             Columns 44-49 </a:t>
             </a:r>
           </a:p>
         </p:txBody>
@@ -33936,7 +33920,23 @@
             </a:r>
             <a:r>
               <a:rPr/>
-              <a:t>#3</a:t>
+              <a:t>#3,</a:t>
+            </a:r>
+            <a:r>
+              <a:rPr/>
+              <a:t> </a:t>
+            </a:r>
+            <a:r>
+              <a:rPr/>
+              <a:t>the</a:t>
+            </a:r>
+            <a:r>
+              <a:rPr/>
+              <a:t> </a:t>
+            </a:r>
+            <a:r>
+              <a:rPr/>
+              <a:t>code</a:t>
             </a:r>
           </a:p>
         </p:txBody>
@@ -34018,7 +34018,7 @@
                 </a:solidFill>
                 <a:latin typeface="Courier"/>
               </a:rPr>
-              <a:t>read.fwf</a:t>
+              <a:t>read_fwf</a:t>
             </a:r>
             <a:r>
               <a:rPr>
@@ -34040,7 +34040,7 @@
                 </a:solidFill>
                 <a:latin typeface="Courier"/>
               </a:rPr>
-              <a:t>c</a:t>
+              <a:t>fwf_cols</a:t>
             </a:r>
             <a:r>
               <a:rPr>
@@ -34061,7 +34061,7 @@
               <a:rPr>
                 <a:latin typeface="Courier"/>
               </a:rPr>
-              <a:t>, </a:t>
+              <a:t>,</a:t>
             </a:r>
             <a:r>
               <a:rPr>
@@ -34076,7 +34076,7 @@
               <a:rPr>
                 <a:latin typeface="Courier"/>
               </a:rPr>
-              <a:t>, </a:t>
+              <a:t>,</a:t>
             </a:r>
             <a:r>
               <a:rPr>
@@ -34091,7 +34091,7 @@
               <a:rPr>
                 <a:latin typeface="Courier"/>
               </a:rPr>
-              <a:t>, </a:t>
+              <a:t>,</a:t>
             </a:r>
             <a:r>
               <a:rPr>
@@ -34106,7 +34106,7 @@
               <a:rPr>
                 <a:latin typeface="Courier"/>
               </a:rPr>
-              <a:t>, </a:t>
+              <a:t>,</a:t>
             </a:r>
             <a:r>
               <a:rPr>
@@ -34121,7 +34121,7 @@
               <a:rPr>
                 <a:latin typeface="Courier"/>
               </a:rPr>
-              <a:t>, </a:t>
+              <a:t>,</a:t>
             </a:r>
             <a:r>
               <a:rPr>
@@ -34136,7 +34136,7 @@
               <a:rPr>
                 <a:latin typeface="Courier"/>
               </a:rPr>
-              <a:t>, </a:t>
+              <a:t>,</a:t>
             </a:r>
             <a:r>
               <a:rPr>
@@ -34151,7 +34151,14 @@
               <a:rPr>
                 <a:latin typeface="Courier"/>
               </a:rPr>
-              <a:t>), </a:t>
+              <a:t>),</a:t>
+            </a:r>
+            <a:br/>
+            <a:r>
+              <a:rPr>
+                <a:latin typeface="Courier"/>
+              </a:rPr>
+              <a:t>  </a:t>
             </a:r>
             <a:r>
               <a:rPr>
@@ -34160,72 +34167,22 @@
                 </a:solidFill>
                 <a:latin typeface="Courier"/>
               </a:rPr>
-              <a:t>header=</a:t>
+              <a:t>col_types=</a:t>
             </a:r>
             <a:r>
               <a:rPr>
                 <a:solidFill>
-                  <a:srgbClr val="880000"/>
+                  <a:srgbClr val="4070A0"/>
                 </a:solidFill>
                 <a:latin typeface="Courier"/>
               </a:rPr>
-              <a:t>FALSE</a:t>
+              <a:t>"ccnnnnn"</a:t>
             </a:r>
             <a:r>
               <a:rPr>
                 <a:latin typeface="Courier"/>
               </a:rPr>
               <a:t>)</a:t>
-            </a:r>
-            <a:br/>
-            <a:r>
-              <a:rPr>
-                <a:solidFill>
-                  <a:srgbClr val="06287E"/>
-                </a:solidFill>
-                <a:latin typeface="Courier"/>
-              </a:rPr>
-              <a:t>head</a:t>
-            </a:r>
-            <a:r>
-              <a:rPr>
-                <a:latin typeface="Courier"/>
-              </a:rPr>
-              <a:t>(raw_data, </a:t>
-            </a:r>
-            <a:r>
-              <a:rPr>
-                <a:solidFill>
-                  <a:srgbClr val="40A070"/>
-                </a:solidFill>
-                <a:latin typeface="Courier"/>
-              </a:rPr>
-              <a:t>2</a:t>
-            </a:r>
-            <a:r>
-              <a:rPr>
-                <a:latin typeface="Courier"/>
-              </a:rPr>
-              <a:t>)</a:t>
-            </a:r>
-          </a:p>
-          <a:p>
-            <a:pPr lvl="0" indent="0">
-              <a:buNone/>
-            </a:pPr>
-            <a:r>
-              <a:rPr>
-                <a:latin typeface="Courier"/>
-              </a:rPr>
-              <a:t>##                      V1
-## 1 HARTSFIELD INTL      
-## 2 BALTO/WASH INTL      
-##                       V2     V3     V4
-## 1 ATLANTA                285693 288803
-## 2 BALTIMORE               73300  74048
-##         V5        V6       V7
-## 1 22665665 165668.76 93039.48
-## 2  4420425  18041.52 19722.93</a:t>
             </a:r>
           </a:p>
         </p:txBody>
@@ -34272,39 +34229,31 @@
             </a:pPr>
             <a:r>
               <a:rPr/>
-              <a:t>Should</a:t>
-            </a:r>
-            <a:r>
-              <a:rPr/>
-              <a:t> </a:t>
-            </a:r>
-            <a:r>
-              <a:rPr/>
-              <a:t>I</a:t>
-            </a:r>
-            <a:r>
-              <a:rPr/>
-              <a:t> </a:t>
-            </a:r>
-            <a:r>
-              <a:rPr/>
-              <a:t>download</a:t>
-            </a:r>
-            <a:r>
-              <a:rPr/>
-              <a:t> </a:t>
-            </a:r>
-            <a:r>
-              <a:rPr/>
-              <a:t>before</a:t>
-            </a:r>
-            <a:r>
-              <a:rPr/>
-              <a:t> </a:t>
-            </a:r>
-            <a:r>
-              <a:rPr/>
-              <a:t>reading?</a:t>
+              <a:t>Example</a:t>
+            </a:r>
+            <a:r>
+              <a:rPr/>
+              <a:t> </a:t>
+            </a:r>
+            <a:r>
+              <a:rPr/>
+              <a:t>#3,</a:t>
+            </a:r>
+            <a:r>
+              <a:rPr/>
+              <a:t> </a:t>
+            </a:r>
+            <a:r>
+              <a:rPr/>
+              <a:t>the</a:t>
+            </a:r>
+            <a:r>
+              <a:rPr/>
+              <a:t> </a:t>
+            </a:r>
+            <a:r>
+              <a:rPr/>
+              <a:t>output</a:t>
             </a:r>
           </a:p>
         </p:txBody>
@@ -34324,52 +34273,39 @@
           <a:bodyPr/>
           <a:lstStyle/>
           <a:p>
-            <a:pPr lvl="1"/>
-            <a:r>
-              <a:rPr/>
-              <a:t>Read directly from website</a:t>
-            </a:r>
-          </a:p>
-          <a:p>
-            <a:pPr lvl="2"/>
-            <a:r>
-              <a:rPr/>
-              <a:t>Convenient</a:t>
-            </a:r>
-          </a:p>
-          <a:p>
-            <a:pPr lvl="2"/>
-            <a:r>
-              <a:rPr/>
-              <a:t>Updates incorporated at each run</a:t>
-            </a:r>
-          </a:p>
-          <a:p>
-            <a:pPr lvl="1"/>
-            <a:r>
-              <a:rPr/>
-              <a:t>Download then read</a:t>
-            </a:r>
-          </a:p>
-          <a:p>
-            <a:pPr lvl="2"/>
-            <a:r>
-              <a:rPr/>
-              <a:t>Downloaded file doesn’t disappear</a:t>
-            </a:r>
-          </a:p>
-          <a:p>
-            <a:pPr lvl="2"/>
-            <a:r>
-              <a:rPr/>
-              <a:t>Avoid repeated long downloads</a:t>
-            </a:r>
-          </a:p>
-          <a:p>
-            <a:pPr lvl="2"/>
-            <a:r>
-              <a:rPr/>
-              <a:t>Work even when Internet connection is down</a:t>
+            <a:pPr lvl="0" indent="0">
+              <a:buNone/>
+            </a:pPr>
+            <a:r>
+              <a:rPr>
+                <a:latin typeface="Courier"/>
+              </a:rPr>
+              <a:t>raw_data</a:t>
+            </a:r>
+          </a:p>
+          <a:p>
+            <a:pPr lvl="0" indent="0">
+              <a:buNone/>
+            </a:pPr>
+            <a:r>
+              <a:rPr>
+                <a:latin typeface="Courier"/>
+              </a:rPr>
+              <a:t>## # A tibble: 135 x 7
+##    X1       X2        X3     X4     X5     X6
+##    &lt;chr&gt;    &lt;chr&gt;  &lt;dbl&gt;  &lt;dbl&gt;  &lt;dbl&gt;  &lt;dbl&gt;
+##  1 HARTSFI~ ATLA~ 285693 288803 2.27e7 1.66e5
+##  2 BALTO/W~ BALT~  73300  74048 4.42e6 1.80e4
+##  3 LOGAN I~ BOST~ 114153 115524 9.55e6 1.28e5
+##  4 DOUGLAS~ CHAR~ 120210 121798 7.08e6 3.62e4
+##  5 MIDWAY   CHIC~  64465  66389 3.55e6 4.49e3
+##  6 O'HARE ~ CHIC~ 322430 332338 2.56e7 3.00e5
+##  7 DALLAS/~ DALL~ 266737 269665 2.29e7 1.43e5
+##  8 LOVE FI~ DALL~  39481  40196 2.88e6 2.22e3
+##  9 STAPLET~ DENV~ 154067 156293 1.20e7 6.73e4
+## 10 DETROIT~ DETR~   6828   7162 3.63e5 2.58e2
+## # ... with 125 more rows, and 1 more
+## #   variable: X7 &lt;dbl&gt;</a:t>
             </a:r>
           </a:p>
         </p:txBody>
@@ -34416,39 +34352,31 @@
             </a:pPr>
             <a:r>
               <a:rPr/>
-              <a:t>Disadvantages</a:t>
-            </a:r>
-            <a:r>
-              <a:rPr/>
-              <a:t> </a:t>
-            </a:r>
-            <a:r>
-              <a:rPr/>
-              <a:t>of</a:t>
-            </a:r>
-            <a:r>
-              <a:rPr/>
-              <a:t> </a:t>
-            </a:r>
-            <a:r>
-              <a:rPr/>
-              <a:t>fixed</a:t>
-            </a:r>
-            <a:r>
-              <a:rPr/>
-              <a:t> </a:t>
-            </a:r>
-            <a:r>
-              <a:rPr/>
-              <a:t>width</a:t>
-            </a:r>
-            <a:r>
-              <a:rPr/>
-              <a:t> </a:t>
-            </a:r>
-            <a:r>
-              <a:rPr/>
-              <a:t>formatting?</a:t>
+              <a:t>Links</a:t>
+            </a:r>
+            <a:r>
+              <a:rPr/>
+              <a:t> </a:t>
+            </a:r>
+            <a:r>
+              <a:rPr/>
+              <a:t>for</a:t>
+            </a:r>
+            <a:r>
+              <a:rPr/>
+              <a:t> </a:t>
+            </a:r>
+            <a:r>
+              <a:rPr/>
+              <a:t>examples</a:t>
+            </a:r>
+            <a:r>
+              <a:rPr/>
+              <a:t> </a:t>
+            </a:r>
+            <a:r>
+              <a:rPr/>
+              <a:t>1-3</a:t>
             </a:r>
           </a:p>
         </p:txBody>
@@ -34468,31 +34396,87 @@
           <a:bodyPr/>
           <a:lstStyle/>
           <a:p>
-            <a:pPr lvl="1"/>
-            <a:r>
-              <a:rPr/>
-              <a:t>Confusing</a:t>
-            </a:r>
-          </a:p>
-          <a:p>
-            <a:pPr lvl="2"/>
-            <a:r>
-              <a:rPr/>
-              <a:t>What is 312? 3, 1, and 2? 31, and 2? 3 and 12? 312?</a:t>
-            </a:r>
-          </a:p>
-          <a:p>
-            <a:pPr lvl="1"/>
-            <a:r>
-              <a:rPr/>
-              <a:t>More work</a:t>
-            </a:r>
-          </a:p>
-          <a:p>
-            <a:pPr lvl="1"/>
-            <a:r>
-              <a:rPr/>
-              <a:t>Prone to errors</a:t>
+            <a:pPr lvl="0" marL="0" indent="0">
+              <a:buNone/>
+            </a:pPr>
+            <a:r>
+              <a:rPr/>
+              <a:t>Data file links</a:t>
+            </a:r>
+          </a:p>
+          <a:p>
+            <a:pPr lvl="1">
+              <a:buAutoNum type="arabicPeriod"/>
+            </a:pPr>
+            <a:r>
+              <a:rPr>
+                <a:hlinkClick r:id="rId2"/>
+              </a:rPr>
+              <a:t>https://stats.idre.ucla.edu/stat/data/binary.csv</a:t>
+            </a:r>
+          </a:p>
+          <a:p>
+            <a:pPr lvl="1">
+              <a:buAutoNum type="arabicPeriod"/>
+            </a:pPr>
+            <a:r>
+              <a:rPr>
+                <a:hlinkClick r:id="rId3"/>
+              </a:rPr>
+              <a:t>https://dasl.datadescription.com/download/data/3061</a:t>
+            </a:r>
+          </a:p>
+          <a:p>
+            <a:pPr lvl="1">
+              <a:buAutoNum type="arabicPeriod"/>
+            </a:pPr>
+            <a:r>
+              <a:rPr>
+                <a:hlinkClick r:id="rId4"/>
+              </a:rPr>
+              <a:t>http://jse.amstat.org/datasets/airport.dat.txt</a:t>
+            </a:r>
+          </a:p>
+          <a:p>
+            <a:pPr lvl="0" marL="0" indent="0">
+              <a:buNone/>
+            </a:pPr>
+            <a:r>
+              <a:rPr/>
+              <a:t>Data dictionary links</a:t>
+            </a:r>
+          </a:p>
+          <a:p>
+            <a:pPr lvl="1">
+              <a:buAutoNum type="arabicPeriod"/>
+            </a:pPr>
+            <a:r>
+              <a:rPr>
+                <a:hlinkClick r:id="rId5"/>
+              </a:rPr>
+              <a:t>https://stats.idre.ucla.edu/r/dae/logit-regression/</a:t>
+            </a:r>
+          </a:p>
+          <a:p>
+            <a:pPr lvl="1">
+              <a:buAutoNum type="arabicPeriod"/>
+            </a:pPr>
+            <a:r>
+              <a:rPr>
+                <a:hlinkClick r:id="rId6"/>
+              </a:rPr>
+              <a:t>https://dasl.datadescription.com/datafile/barbershop-music/</a:t>
+            </a:r>
+          </a:p>
+          <a:p>
+            <a:pPr lvl="1">
+              <a:buAutoNum type="arabicPeriod"/>
+            </a:pPr>
+            <a:r>
+              <a:rPr>
+                <a:hlinkClick r:id="rId7"/>
+              </a:rPr>
+              <a:t>http://jse.amstat.org/datasets/airport.txt</a:t>
             </a:r>
           </a:p>
         </p:txBody>
@@ -34539,89 +34523,108 @@
             </a:pPr>
             <a:r>
               <a:rPr/>
-              <a:t>Example</a:t>
-            </a:r>
-            <a:r>
-              <a:rPr/>
-              <a:t> </a:t>
-            </a:r>
-            <a:r>
-              <a:rPr/>
-              <a:t>where</a:t>
-            </a:r>
-            <a:r>
-              <a:rPr/>
-              <a:t> </a:t>
-            </a:r>
-            <a:r>
-              <a:rPr/>
-              <a:t>fixed</a:t>
-            </a:r>
-            <a:r>
-              <a:rPr/>
-              <a:t> </a:t>
-            </a:r>
-            <a:r>
-              <a:rPr/>
-              <a:t>width</a:t>
-            </a:r>
-            <a:r>
-              <a:rPr/>
-              <a:t> </a:t>
-            </a:r>
-            <a:r>
-              <a:rPr/>
-              <a:t>formatting</a:t>
-            </a:r>
-            <a:r>
-              <a:rPr/>
-              <a:t> </a:t>
-            </a:r>
-            <a:r>
-              <a:rPr/>
-              <a:t>is</a:t>
-            </a:r>
-            <a:r>
-              <a:rPr/>
-              <a:t> </a:t>
-            </a:r>
-            <a:r>
-              <a:rPr/>
-              <a:t>needed.</a:t>
+              <a:t>Should</a:t>
+            </a:r>
+            <a:r>
+              <a:rPr/>
+              <a:t> </a:t>
+            </a:r>
+            <a:r>
+              <a:rPr/>
+              <a:t>I</a:t>
+            </a:r>
+            <a:r>
+              <a:rPr/>
+              <a:t> </a:t>
+            </a:r>
+            <a:r>
+              <a:rPr/>
+              <a:t>download</a:t>
+            </a:r>
+            <a:r>
+              <a:rPr/>
+              <a:t> </a:t>
+            </a:r>
+            <a:r>
+              <a:rPr/>
+              <a:t>before</a:t>
+            </a:r>
+            <a:r>
+              <a:rPr/>
+              <a:t> </a:t>
+            </a:r>
+            <a:r>
+              <a:rPr/>
+              <a:t>reading?</a:t>
             </a:r>
           </a:p>
         </p:txBody>
       </p:sp>
-      <p:pic>
-        <p:nvPicPr>
-          <p:cNvPr descr="../images/ed2017.png" id="0" name="Picture 1"/>
-          <p:cNvPicPr>
-            <a:picLocks noGrp="1" noChangeAspect="1"/>
-          </p:cNvPicPr>
-          <p:nvPr/>
-        </p:nvPicPr>
-        <p:blipFill>
-          <a:blip r:embed="rId3"/>
-          <a:stretch>
-            <a:fillRect/>
-          </a:stretch>
-        </p:blipFill>
-        <p:spPr bwMode="auto">
-          <a:xfrm>
-            <a:off x="457200" y="1993900"/>
-            <a:ext cx="8229600" cy="3733800"/>
-          </a:xfrm>
-          <a:prstGeom prst="rect">
-            <a:avLst/>
-          </a:prstGeom>
-          <a:noFill/>
-          <a:ln w="9525">
-            <a:noFill/>
-            <a:headEnd/>
-            <a:tailEnd/>
-          </a:ln>
-        </p:spPr>
-      </p:pic>
+      <p:sp>
+        <p:nvSpPr>
+          <p:cNvPr id="3" name="Content Placeholder 2"/>
+          <p:cNvSpPr>
+            <a:spLocks noGrp="1"/>
+          </p:cNvSpPr>
+          <p:nvPr>
+            <p:ph idx="1"/>
+          </p:nvPr>
+        </p:nvSpPr>
+        <p:spPr/>
+        <p:txBody>
+          <a:bodyPr/>
+          <a:lstStyle/>
+          <a:p>
+            <a:pPr lvl="1"/>
+            <a:r>
+              <a:rPr/>
+              <a:t>Read directly from website</a:t>
+            </a:r>
+          </a:p>
+          <a:p>
+            <a:pPr lvl="2"/>
+            <a:r>
+              <a:rPr/>
+              <a:t>Convenient</a:t>
+            </a:r>
+          </a:p>
+          <a:p>
+            <a:pPr lvl="2"/>
+            <a:r>
+              <a:rPr/>
+              <a:t>Updates incorporated at each run</a:t>
+            </a:r>
+          </a:p>
+          <a:p>
+            <a:pPr lvl="1"/>
+            <a:r>
+              <a:rPr/>
+              <a:t>Download then read</a:t>
+            </a:r>
+          </a:p>
+          <a:p>
+            <a:pPr lvl="2"/>
+            <a:r>
+              <a:rPr/>
+              <a:t>Downloaded file doesn’t disappear</a:t>
+            </a:r>
+          </a:p>
+          <a:p>
+            <a:pPr lvl="2"/>
+            <a:r>
+              <a:rPr/>
+              <a:t>Avoid repeated long downloads</a:t>
+            </a:r>
+          </a:p>
+          <a:p>
+            <a:pPr lvl="2"/>
+            <a:r>
+              <a:rPr/>
+              <a:t>Work even when Internet connection is down</a:t>
+            </a:r>
+          </a:p>
+        </p:txBody>
+      </p:sp>
     </p:spTree>
   </p:cSld>
 </p:sld>
@@ -34664,23 +34667,39 @@
             </a:pPr>
             <a:r>
               <a:rPr/>
-              <a:t>No</a:t>
-            </a:r>
-            <a:r>
-              <a:rPr/>
-              <a:t> </a:t>
-            </a:r>
-            <a:r>
-              <a:rPr/>
-              <a:t>data</a:t>
-            </a:r>
-            <a:r>
-              <a:rPr/>
-              <a:t> </a:t>
-            </a:r>
-            <a:r>
-              <a:rPr/>
-              <a:t>dictionary?</a:t>
+              <a:t>Disadvantages</a:t>
+            </a:r>
+            <a:r>
+              <a:rPr/>
+              <a:t> </a:t>
+            </a:r>
+            <a:r>
+              <a:rPr/>
+              <a:t>of</a:t>
+            </a:r>
+            <a:r>
+              <a:rPr/>
+              <a:t> </a:t>
+            </a:r>
+            <a:r>
+              <a:rPr/>
+              <a:t>fixed</a:t>
+            </a:r>
+            <a:r>
+              <a:rPr/>
+              <a:t> </a:t>
+            </a:r>
+            <a:r>
+              <a:rPr/>
+              <a:t>width</a:t>
+            </a:r>
+            <a:r>
+              <a:rPr/>
+              <a:t> </a:t>
+            </a:r>
+            <a:r>
+              <a:rPr/>
+              <a:t>formatting?</a:t>
             </a:r>
           </a:p>
         </p:txBody>
@@ -34703,51 +34722,28 @@
             <a:pPr lvl="1"/>
             <a:r>
               <a:rPr/>
-              <a:t>Peek at file</a:t>
+              <a:t>Confusing</a:t>
             </a:r>
           </a:p>
           <a:p>
             <a:pPr lvl="2"/>
             <a:r>
               <a:rPr/>
-              <a:t>Same number of delimiters on each line</a:t>
+              <a:t>What is 312? 3, 1, and 2? 31, and 2? 3 and 12? 312?</a:t>
             </a:r>
           </a:p>
           <a:p>
             <a:pPr lvl="1"/>
             <a:r>
               <a:rPr/>
-              <a:t>Tabs versus multiple blanks are hard to distinguish</a:t>
-            </a:r>
-          </a:p>
-          <a:p>
-            <a:pPr lvl="2"/>
-            <a:r>
-              <a:rPr/>
-              <a:t>Tab delimited?</a:t>
-            </a:r>
-          </a:p>
-          <a:p>
-            <a:pPr lvl="2"/>
-            <a:r>
-              <a:rPr/>
-              <a:t>Space delimited?</a:t>
-            </a:r>
-          </a:p>
-          <a:p>
-            <a:pPr lvl="2"/>
-            <a:r>
-              <a:rPr/>
-              <a:t>Fixed width format?</a:t>
-            </a:r>
-          </a:p>
-          <a:p>
-            <a:pPr lvl="2"/>
-            <a:r>
-              <a:rPr>
-                <a:hlinkClick r:id="rId3"/>
-              </a:rPr>
-              <a:t>http://www.pmean.com/12/pesky.html</a:t>
+              <a:t>More work</a:t>
+            </a:r>
+          </a:p>
+          <a:p>
+            <a:pPr lvl="1"/>
+            <a:r>
+              <a:rPr/>
+              <a:t>Prone to errors</a:t>
             </a:r>
           </a:p>
         </p:txBody>
@@ -34794,92 +34790,89 @@
             </a:pPr>
             <a:r>
               <a:rPr/>
-              <a:t>No</a:t>
-            </a:r>
-            <a:r>
-              <a:rPr/>
-              <a:t> </a:t>
-            </a:r>
-            <a:r>
-              <a:rPr/>
-              <a:t>data</a:t>
-            </a:r>
-            <a:r>
-              <a:rPr/>
-              <a:t> </a:t>
-            </a:r>
-            <a:r>
-              <a:rPr/>
-              <a:t>dictionary?</a:t>
+              <a:t>Example</a:t>
+            </a:r>
+            <a:r>
+              <a:rPr/>
+              <a:t> </a:t>
+            </a:r>
+            <a:r>
+              <a:rPr/>
+              <a:t>where</a:t>
+            </a:r>
+            <a:r>
+              <a:rPr/>
+              <a:t> </a:t>
+            </a:r>
+            <a:r>
+              <a:rPr/>
+              <a:t>fixed</a:t>
+            </a:r>
+            <a:r>
+              <a:rPr/>
+              <a:t> </a:t>
+            </a:r>
+            <a:r>
+              <a:rPr/>
+              <a:t>width</a:t>
+            </a:r>
+            <a:r>
+              <a:rPr/>
+              <a:t> </a:t>
+            </a:r>
+            <a:r>
+              <a:rPr/>
+              <a:t>formatting</a:t>
+            </a:r>
+            <a:r>
+              <a:rPr/>
+              <a:t> </a:t>
+            </a:r>
+            <a:r>
+              <a:rPr/>
+              <a:t>is</a:t>
+            </a:r>
+            <a:r>
+              <a:rPr/>
+              <a:t> </a:t>
+            </a:r>
+            <a:r>
+              <a:rPr/>
+              <a:t>needed.</a:t>
             </a:r>
           </a:p>
         </p:txBody>
       </p:sp>
-      <p:sp>
-        <p:nvSpPr>
-          <p:cNvPr id="3" name="Content Placeholder 2"/>
-          <p:cNvSpPr>
-            <a:spLocks noGrp="1"/>
-          </p:cNvSpPr>
-          <p:nvPr>
-            <p:ph idx="1"/>
-          </p:nvPr>
-        </p:nvSpPr>
-        <p:spPr/>
-        <p:txBody>
-          <a:bodyPr/>
-          <a:lstStyle/>
-          <a:p>
-            <a:pPr lvl="1"/>
-            <a:r>
-              <a:rPr/>
-              <a:t>Experiment</a:t>
-            </a:r>
-          </a:p>
-          <a:p>
-            <a:pPr lvl="2"/>
-            <a:r>
-              <a:rPr/>
-              <a:t>Read warnings carefully</a:t>
-            </a:r>
-          </a:p>
-          <a:p>
-            <a:pPr lvl="1"/>
-            <a:r>
-              <a:rPr/>
-              <a:t>If needed, edit the file manually</a:t>
-            </a:r>
-          </a:p>
-          <a:p>
-            <a:pPr lvl="2"/>
-            <a:r>
-              <a:rPr/>
-              <a:t>Simple edits of one or two offending lines</a:t>
-            </a:r>
-          </a:p>
-          <a:p>
-            <a:pPr lvl="2"/>
-            <a:r>
-              <a:rPr/>
-              <a:t>Global search and replace</a:t>
-            </a:r>
-          </a:p>
-          <a:p>
-            <a:pPr lvl="3"/>
-            <a:r>
-              <a:rPr/>
-              <a:t>Change tabs to blanks</a:t>
-            </a:r>
-          </a:p>
-          <a:p>
-            <a:pPr lvl="3"/>
-            <a:r>
-              <a:rPr/>
-              <a:t>Change multiple blanks to single blank</a:t>
-            </a:r>
-          </a:p>
-        </p:txBody>
-      </p:sp>
+      <p:pic>
+        <p:nvPicPr>
+          <p:cNvPr descr="../images/ed2017.png" id="0" name="Picture 1"/>
+          <p:cNvPicPr>
+            <a:picLocks noGrp="1" noChangeAspect="1"/>
+          </p:cNvPicPr>
+          <p:nvPr/>
+        </p:nvPicPr>
+        <p:blipFill>
+          <a:blip r:embed="rId3"/>
+          <a:stretch>
+            <a:fillRect/>
+          </a:stretch>
+        </p:blipFill>
+        <p:spPr bwMode="auto">
+          <a:xfrm>
+            <a:off x="457200" y="1993900"/>
+            <a:ext cx="8229600" cy="3733800"/>
+          </a:xfrm>
+          <a:prstGeom prst="rect">
+            <a:avLst/>
+          </a:prstGeom>
+          <a:noFill/>
+          <a:ln w="9525">
+            <a:noFill/>
+            <a:headEnd/>
+            <a:tailEnd/>
+          </a:ln>
+        </p:spPr>
+      </p:pic>
     </p:spTree>
   </p:cSld>
 </p:sld>
@@ -34922,7 +34915,23 @@
             </a:pPr>
             <a:r>
               <a:rPr/>
-              <a:t>Troubleshooting</a:t>
+              <a:t>No</a:t>
+            </a:r>
+            <a:r>
+              <a:rPr/>
+              <a:t> </a:t>
+            </a:r>
+            <a:r>
+              <a:rPr/>
+              <a:t>data</a:t>
+            </a:r>
+            <a:r>
+              <a:rPr/>
+              <a:t> </a:t>
+            </a:r>
+            <a:r>
+              <a:rPr/>
+              <a:t>dictionary?</a:t>
             </a:r>
           </a:p>
         </p:txBody>
@@ -34945,14 +34954,51 @@
             <a:pPr lvl="1"/>
             <a:r>
               <a:rPr/>
-              <a:t>Multiple data read in as single variable.</a:t>
+              <a:t>Peek at file</a:t>
+            </a:r>
+          </a:p>
+          <a:p>
+            <a:pPr lvl="2"/>
+            <a:r>
+              <a:rPr/>
+              <a:t>Same number of delimiters on each line</a:t>
             </a:r>
           </a:p>
           <a:p>
             <a:pPr lvl="1"/>
             <a:r>
               <a:rPr/>
-              <a:t>Lots of missing values</a:t>
+              <a:t>Tabs versus multiple blanks are hard to distinguish</a:t>
+            </a:r>
+          </a:p>
+          <a:p>
+            <a:pPr lvl="2"/>
+            <a:r>
+              <a:rPr/>
+              <a:t>Tab delimited?</a:t>
+            </a:r>
+          </a:p>
+          <a:p>
+            <a:pPr lvl="2"/>
+            <a:r>
+              <a:rPr/>
+              <a:t>Space delimited?</a:t>
+            </a:r>
+          </a:p>
+          <a:p>
+            <a:pPr lvl="2"/>
+            <a:r>
+              <a:rPr/>
+              <a:t>Fixed width format?</a:t>
+            </a:r>
+          </a:p>
+          <a:p>
+            <a:pPr lvl="2"/>
+            <a:r>
+              <a:rPr>
+                <a:hlinkClick r:id="rId3"/>
+              </a:rPr>
+              <a:t>http://www.pmean.com/12/pesky.html</a:t>
             </a:r>
           </a:p>
         </p:txBody>
@@ -34999,6 +35045,211 @@
             </a:pPr>
             <a:r>
               <a:rPr/>
+              <a:t>No</a:t>
+            </a:r>
+            <a:r>
+              <a:rPr/>
+              <a:t> </a:t>
+            </a:r>
+            <a:r>
+              <a:rPr/>
+              <a:t>data</a:t>
+            </a:r>
+            <a:r>
+              <a:rPr/>
+              <a:t> </a:t>
+            </a:r>
+            <a:r>
+              <a:rPr/>
+              <a:t>dictionary?</a:t>
+            </a:r>
+          </a:p>
+        </p:txBody>
+      </p:sp>
+      <p:sp>
+        <p:nvSpPr>
+          <p:cNvPr id="3" name="Content Placeholder 2"/>
+          <p:cNvSpPr>
+            <a:spLocks noGrp="1"/>
+          </p:cNvSpPr>
+          <p:nvPr>
+            <p:ph idx="1"/>
+          </p:nvPr>
+        </p:nvSpPr>
+        <p:spPr/>
+        <p:txBody>
+          <a:bodyPr/>
+          <a:lstStyle/>
+          <a:p>
+            <a:pPr lvl="1"/>
+            <a:r>
+              <a:rPr/>
+              <a:t>Experiment</a:t>
+            </a:r>
+          </a:p>
+          <a:p>
+            <a:pPr lvl="2"/>
+            <a:r>
+              <a:rPr/>
+              <a:t>Read warnings carefully</a:t>
+            </a:r>
+          </a:p>
+          <a:p>
+            <a:pPr lvl="1"/>
+            <a:r>
+              <a:rPr/>
+              <a:t>If needed, edit the file manually</a:t>
+            </a:r>
+          </a:p>
+          <a:p>
+            <a:pPr lvl="2"/>
+            <a:r>
+              <a:rPr/>
+              <a:t>Simple edits of one or two offending lines</a:t>
+            </a:r>
+          </a:p>
+          <a:p>
+            <a:pPr lvl="2"/>
+            <a:r>
+              <a:rPr/>
+              <a:t>Global search and replace</a:t>
+            </a:r>
+          </a:p>
+          <a:p>
+            <a:pPr lvl="3"/>
+            <a:r>
+              <a:rPr/>
+              <a:t>Change tabs to blanks</a:t>
+            </a:r>
+          </a:p>
+          <a:p>
+            <a:pPr lvl="3"/>
+            <a:r>
+              <a:rPr/>
+              <a:t>Change multiple blanks to single blank</a:t>
+            </a:r>
+          </a:p>
+        </p:txBody>
+      </p:sp>
+    </p:spTree>
+  </p:cSld>
+</p:sld>
+</file>
+
+<file path=ppt/slides/slide58.xml><?xml version="1.0" encoding="utf-8"?>
+<p:sld xmlns:a="http://schemas.openxmlformats.org/drawingml/2006/main" xmlns:r="http://schemas.openxmlformats.org/officeDocument/2006/relationships" xmlns:p="http://schemas.openxmlformats.org/presentationml/2006/main">
+  <p:cSld>
+    <p:spTree>
+      <p:nvGrpSpPr>
+        <p:cNvPr id="1" name=""/>
+        <p:cNvGrpSpPr/>
+        <p:nvPr/>
+      </p:nvGrpSpPr>
+      <p:grpSpPr>
+        <a:xfrm>
+          <a:off x="0" y="0"/>
+          <a:ext cx="0" cy="0"/>
+          <a:chOff x="0" y="0"/>
+          <a:chExt cx="0" cy="0"/>
+        </a:xfrm>
+      </p:grpSpPr>
+      <p:sp>
+        <p:nvSpPr>
+          <p:cNvPr id="2" name="Title 1"/>
+          <p:cNvSpPr>
+            <a:spLocks noGrp="1"/>
+          </p:cNvSpPr>
+          <p:nvPr>
+            <p:ph type="title"/>
+          </p:nvPr>
+        </p:nvSpPr>
+        <p:spPr/>
+        <p:txBody>
+          <a:bodyPr/>
+          <a:lstStyle/>
+          <a:p>
+            <a:pPr lvl="0" marL="0" indent="0">
+              <a:buNone/>
+            </a:pPr>
+            <a:r>
+              <a:rPr/>
+              <a:t>Troubleshooting</a:t>
+            </a:r>
+          </a:p>
+        </p:txBody>
+      </p:sp>
+      <p:sp>
+        <p:nvSpPr>
+          <p:cNvPr id="3" name="Content Placeholder 2"/>
+          <p:cNvSpPr>
+            <a:spLocks noGrp="1"/>
+          </p:cNvSpPr>
+          <p:nvPr>
+            <p:ph idx="1"/>
+          </p:nvPr>
+        </p:nvSpPr>
+        <p:spPr/>
+        <p:txBody>
+          <a:bodyPr/>
+          <a:lstStyle/>
+          <a:p>
+            <a:pPr lvl="1"/>
+            <a:r>
+              <a:rPr/>
+              <a:t>Multiple data read in as single variable.</a:t>
+            </a:r>
+          </a:p>
+          <a:p>
+            <a:pPr lvl="1"/>
+            <a:r>
+              <a:rPr/>
+              <a:t>Lots of missing values</a:t>
+            </a:r>
+          </a:p>
+        </p:txBody>
+      </p:sp>
+    </p:spTree>
+  </p:cSld>
+</p:sld>
+</file>
+
+<file path=ppt/slides/slide59.xml><?xml version="1.0" encoding="utf-8"?>
+<p:sld xmlns:a="http://schemas.openxmlformats.org/drawingml/2006/main" xmlns:r="http://schemas.openxmlformats.org/officeDocument/2006/relationships" xmlns:p="http://schemas.openxmlformats.org/presentationml/2006/main">
+  <p:cSld>
+    <p:spTree>
+      <p:nvGrpSpPr>
+        <p:cNvPr id="1" name=""/>
+        <p:cNvGrpSpPr/>
+        <p:nvPr/>
+      </p:nvGrpSpPr>
+      <p:grpSpPr>
+        <a:xfrm>
+          <a:off x="0" y="0"/>
+          <a:ext cx="0" cy="0"/>
+          <a:chOff x="0" y="0"/>
+          <a:chExt cx="0" cy="0"/>
+        </a:xfrm>
+      </p:grpSpPr>
+      <p:sp>
+        <p:nvSpPr>
+          <p:cNvPr id="2" name="Title 1"/>
+          <p:cNvSpPr>
+            <a:spLocks noGrp="1"/>
+          </p:cNvSpPr>
+          <p:nvPr>
+            <p:ph type="title"/>
+          </p:nvPr>
+        </p:nvSpPr>
+        <p:spPr/>
+        <p:txBody>
+          <a:bodyPr/>
+          <a:lstStyle/>
+          <a:p>
+            <a:pPr lvl="0" marL="0" indent="0">
+              <a:buNone/>
+            </a:pPr>
+            <a:r>
+              <a:rPr/>
               <a:t>Summary</a:t>
             </a:r>
           </a:p>
@@ -35226,7 +35477,7 @@
                 </a:solidFill>
                 <a:latin typeface="Courier"/>
               </a:rPr>
-              <a:t>"n"</a:t>
+              <a:t>"nn"</a:t>
             </a:r>
             <a:r>
               <a:rPr>
